--- a/LTP/LTP.pptx
+++ b/LTP/LTP.pptx
@@ -290,7 +290,7 @@
           <a:p>
             <a:fld id="{91E45770-7552-4785-895B-D8A34BB15347}" type="datetimeFigureOut">
               <a:rPr lang="en-US" smtClean="0"/>
-              <a:t>7/21/15</a:t>
+              <a:t>7/27/15</a:t>
             </a:fld>
             <a:endParaRPr lang="en-US"/>
           </a:p>
@@ -455,7 +455,7 @@
           <a:p>
             <a:fld id="{91E45770-7552-4785-895B-D8A34BB15347}" type="datetimeFigureOut">
               <a:rPr lang="en-US" smtClean="0"/>
-              <a:t>7/21/15</a:t>
+              <a:t>7/27/15</a:t>
             </a:fld>
             <a:endParaRPr lang="en-US"/>
           </a:p>
@@ -630,7 +630,7 @@
           <a:p>
             <a:fld id="{91E45770-7552-4785-895B-D8A34BB15347}" type="datetimeFigureOut">
               <a:rPr lang="en-US" smtClean="0"/>
-              <a:t>7/21/15</a:t>
+              <a:t>7/27/15</a:t>
             </a:fld>
             <a:endParaRPr lang="en-US"/>
           </a:p>
@@ -795,7 +795,7 @@
           <a:p>
             <a:fld id="{91E45770-7552-4785-895B-D8A34BB15347}" type="datetimeFigureOut">
               <a:rPr lang="en-US" smtClean="0"/>
-              <a:t>7/21/15</a:t>
+              <a:t>7/27/15</a:t>
             </a:fld>
             <a:endParaRPr lang="en-US"/>
           </a:p>
@@ -1036,7 +1036,7 @@
           <a:p>
             <a:fld id="{91E45770-7552-4785-895B-D8A34BB15347}" type="datetimeFigureOut">
               <a:rPr lang="en-US" smtClean="0"/>
-              <a:t>7/21/15</a:t>
+              <a:t>7/27/15</a:t>
             </a:fld>
             <a:endParaRPr lang="en-US"/>
           </a:p>
@@ -1319,7 +1319,7 @@
           <a:p>
             <a:fld id="{91E45770-7552-4785-895B-D8A34BB15347}" type="datetimeFigureOut">
               <a:rPr lang="en-US" smtClean="0"/>
-              <a:t>7/21/15</a:t>
+              <a:t>7/27/15</a:t>
             </a:fld>
             <a:endParaRPr lang="en-US"/>
           </a:p>
@@ -1736,7 +1736,7 @@
           <a:p>
             <a:fld id="{91E45770-7552-4785-895B-D8A34BB15347}" type="datetimeFigureOut">
               <a:rPr lang="en-US" smtClean="0"/>
-              <a:t>7/21/15</a:t>
+              <a:t>7/27/15</a:t>
             </a:fld>
             <a:endParaRPr lang="en-US"/>
           </a:p>
@@ -1849,7 +1849,7 @@
           <a:p>
             <a:fld id="{91E45770-7552-4785-895B-D8A34BB15347}" type="datetimeFigureOut">
               <a:rPr lang="en-US" smtClean="0"/>
-              <a:t>7/21/15</a:t>
+              <a:t>7/27/15</a:t>
             </a:fld>
             <a:endParaRPr lang="en-US"/>
           </a:p>
@@ -1939,7 +1939,7 @@
           <a:p>
             <a:fld id="{91E45770-7552-4785-895B-D8A34BB15347}" type="datetimeFigureOut">
               <a:rPr lang="en-US" smtClean="0"/>
-              <a:t>7/21/15</a:t>
+              <a:t>7/27/15</a:t>
             </a:fld>
             <a:endParaRPr lang="en-US"/>
           </a:p>
@@ -2211,7 +2211,7 @@
           <a:p>
             <a:fld id="{91E45770-7552-4785-895B-D8A34BB15347}" type="datetimeFigureOut">
               <a:rPr lang="en-US" smtClean="0"/>
-              <a:t>7/21/15</a:t>
+              <a:t>7/27/15</a:t>
             </a:fld>
             <a:endParaRPr lang="en-US"/>
           </a:p>
@@ -2459,7 +2459,7 @@
           <a:p>
             <a:fld id="{91E45770-7552-4785-895B-D8A34BB15347}" type="datetimeFigureOut">
               <a:rPr lang="en-US" smtClean="0"/>
-              <a:t>7/21/15</a:t>
+              <a:t>7/27/15</a:t>
             </a:fld>
             <a:endParaRPr lang="en-US"/>
           </a:p>
@@ -2667,7 +2667,7 @@
           <a:p>
             <a:fld id="{91E45770-7552-4785-895B-D8A34BB15347}" type="datetimeFigureOut">
               <a:rPr lang="en-US" smtClean="0"/>
-              <a:t>7/21/15</a:t>
+              <a:t>7/27/15</a:t>
             </a:fld>
             <a:endParaRPr lang="en-US"/>
           </a:p>
